--- a/Team DIP392-wedding_app.pptx
+++ b/Team DIP392-wedding_app.pptx
@@ -225,7 +225,7 @@
           <a:p>
             <a:fld id="{B56F32FC-4BD9-442A-A8C6-51598C909FE3}" type="datetimeFigureOut">
               <a:rPr lang="en-US" smtClean="0"/>
-              <a:t>5/20/2025</a:t>
+              <a:t>5/25/2025</a:t>
             </a:fld>
             <a:endParaRPr lang="en-US" dirty="0"/>
           </a:p>
@@ -402,7 +402,7 @@
           <a:p>
             <a:fld id="{056371FA-A98D-41E8-93F4-09945841298A}" type="datetimeFigureOut">
               <a:rPr lang="en-US" smtClean="0"/>
-              <a:t>5/20/2025</a:t>
+              <a:t>5/25/2025</a:t>
             </a:fld>
             <a:endParaRPr lang="en-US" dirty="0"/>
           </a:p>
@@ -6972,8 +6972,8 @@
         </p:nvSpPr>
         <p:spPr bwMode="auto">
           <a:xfrm>
-            <a:off x="6991350" y="487018"/>
-            <a:ext cx="4179570" cy="3377354"/>
+            <a:off x="6991350" y="487017"/>
+            <a:ext cx="4179570" cy="5167471"/>
           </a:xfrm>
           <a:extLst>
             <a:ext uri="{909E8E84-426E-40DD-AFC4-6F175D3DCCD1}">
@@ -7025,13 +7025,17 @@
               <a:tabLst/>
             </a:pPr>
             <a:r>
+              <a:rPr lang="en-US" altLang="en-US" sz="1700" b="1" cap="none" dirty="0"/>
+              <a:t>T</a:t>
+            </a:r>
+            <a:r>
               <a:rPr kumimoji="0" lang="en-US" altLang="en-US" sz="1700" b="1" i="0" u="none" strike="noStrike" cap="none" normalizeH="0" baseline="0" dirty="0">
                 <a:ln>
                   <a:noFill/>
                 </a:ln>
                 <a:effectLst/>
               </a:rPr>
-              <a:t>Team DIP392-wedding_app</a:t>
+              <a:t>eam DIP392-wedding_app</a:t>
             </a:r>
             <a:r>
               <a:rPr kumimoji="0" lang="en-US" altLang="en-US" sz="1700" b="0" i="0" u="none" strike="noStrike" cap="none" normalizeH="0" baseline="0" dirty="0">
@@ -7274,7 +7278,7 @@
             </a:endParaRPr>
           </a:p>
           <a:p>
-            <a:pPr marL="0" marR="0" lvl="0" indent="0" defTabSz="914400" rtl="0" eaLnBrk="0" fontAlgn="base" latinLnBrk="0" hangingPunct="0">
+            <a:pPr marR="0" lvl="0" defTabSz="914400" rtl="0" eaLnBrk="0" fontAlgn="base" latinLnBrk="0" hangingPunct="0">
               <a:spcBef>
                 <a:spcPct val="0"/>
               </a:spcBef>
@@ -7283,8 +7287,6 @@
               </a:spcAft>
               <a:buClrTx/>
               <a:buSzTx/>
-              <a:buFontTx/>
-              <a:buChar char="•"/>
               <a:tabLst/>
             </a:pPr>
             <a:r>
@@ -7324,6 +7326,84 @@
               </a:rPr>
               <a:t> </a:t>
             </a:r>
+            <a:br>
+              <a:rPr kumimoji="0" lang="en-US" altLang="en-US" sz="1700" b="0" i="0" u="none" strike="noStrike" cap="none" normalizeH="0" baseline="0" dirty="0">
+                <a:ln>
+                  <a:noFill/>
+                </a:ln>
+                <a:effectLst/>
+              </a:rPr>
+            </a:br>
+            <a:r>
+              <a:rPr kumimoji="0" lang="pt-BR" altLang="en-US" sz="1700" b="1" i="0" u="none" strike="noStrike" cap="none" normalizeH="0" baseline="0" dirty="0">
+                <a:ln>
+                  <a:noFill/>
+                </a:ln>
+                <a:effectLst/>
+              </a:rPr>
+              <a:t>Presentation video link: </a:t>
+            </a:r>
+            <a:r>
+              <a:rPr kumimoji="0" lang="pt-BR" altLang="en-US" sz="1700" b="0" i="0" u="none" strike="noStrike" cap="none" normalizeH="0" baseline="0" dirty="0">
+                <a:ln>
+                  <a:noFill/>
+                </a:ln>
+                <a:effectLst/>
+                <a:hlinkClick r:id="rId4"/>
+              </a:rPr>
+              <a:t>https://youtu.be/l-RL4OJSVU8</a:t>
+            </a:r>
+            <a:r>
+              <a:rPr kumimoji="0" lang="pt-BR" altLang="en-US" sz="1700" b="0" i="0" u="none" strike="noStrike" cap="none" normalizeH="0" baseline="0" dirty="0">
+                <a:ln>
+                  <a:noFill/>
+                </a:ln>
+                <a:effectLst/>
+              </a:rPr>
+              <a:t>      </a:t>
+            </a:r>
+            <a:r>
+              <a:rPr kumimoji="0" lang="pt-BR" altLang="en-US" sz="1700" b="1" i="0" u="none" strike="noStrike" cap="none" normalizeH="0" baseline="0" dirty="0">
+                <a:ln>
+                  <a:noFill/>
+                </a:ln>
+                <a:effectLst/>
+              </a:rPr>
+              <a:t>Demo video link: </a:t>
+            </a:r>
+            <a:r>
+              <a:rPr kumimoji="0" lang="pt-BR" altLang="en-US" sz="1700" b="0" i="0" u="none" strike="noStrike" cap="none" normalizeH="0" baseline="0" dirty="0">
+                <a:ln>
+                  <a:noFill/>
+                </a:ln>
+                <a:effectLst/>
+                <a:hlinkClick r:id="rId5"/>
+              </a:rPr>
+              <a:t>https://youtu.be/ZwpBoCZn4Ew</a:t>
+            </a:r>
+            <a:r>
+              <a:rPr kumimoji="0" lang="pt-BR" altLang="en-US" sz="1700" b="0" i="0" u="none" strike="noStrike" cap="none" normalizeH="0" baseline="0" dirty="0">
+                <a:ln>
+                  <a:noFill/>
+                </a:ln>
+                <a:effectLst/>
+              </a:rPr>
+              <a:t> </a:t>
+            </a:r>
+            <a:br>
+              <a:rPr kumimoji="0" lang="en-US" altLang="en-US" sz="1700" b="0" i="0" u="none" strike="noStrike" cap="none" normalizeH="0" baseline="0" dirty="0">
+                <a:ln>
+                  <a:noFill/>
+                </a:ln>
+                <a:effectLst/>
+              </a:rPr>
+            </a:br>
+            <a:endParaRPr kumimoji="0" lang="en-US" altLang="en-US" sz="1700" b="0" i="0" u="none" strike="noStrike" cap="none" normalizeH="0" baseline="0" dirty="0">
+              <a:ln>
+                <a:noFill/>
+              </a:ln>
+              <a:effectLst/>
+            </a:endParaRPr>
           </a:p>
         </p:txBody>
       </p:sp>
@@ -12925,6 +13005,15 @@
 </file>
 
 <file path=customXml/item1.xml><?xml version="1.0" encoding="utf-8"?>
+<?mso-contentType ?>
+<FormTemplates xmlns="http://schemas.microsoft.com/sharepoint/v3/contenttype/forms">
+  <Display>DocumentLibraryForm</Display>
+  <Edit>DocumentLibraryForm</Edit>
+  <New>DocumentLibraryForm</New>
+</FormTemplates>
+</file>
+
+<file path=customXml/item2.xml><?xml version="1.0" encoding="utf-8"?>
 <p:properties xmlns:p="http://schemas.microsoft.com/office/2006/metadata/properties" xmlns:xsi="http://www.w3.org/2001/XMLSchema-instance" xmlns:pc="http://schemas.microsoft.com/office/infopath/2007/PartnerControls">
   <documentManagement>
     <_ip_UnifiedCompliancePolicyUIAction xmlns="http://schemas.microsoft.com/sharepoint/v3" xsi:nil="true"/>
@@ -12942,15 +13031,6 @@
     <MediaServiceKeyPoints xmlns="71af3243-3dd4-4a8d-8c0d-dd76da1f02a5" xsi:nil="true"/>
   </documentManagement>
 </p:properties>
-</file>
-
-<file path=customXml/item2.xml><?xml version="1.0" encoding="utf-8"?>
-<?mso-contentType ?>
-<FormTemplates xmlns="http://schemas.microsoft.com/sharepoint/v3/contenttype/forms">
-  <Display>DocumentLibraryForm</Display>
-  <Edit>DocumentLibraryForm</Edit>
-  <New>DocumentLibraryForm</New>
-</FormTemplates>
 </file>
 
 <file path=customXml/item3.xml><?xml version="1.0" encoding="utf-8"?>
@@ -13266,6 +13346,14 @@
 </file>
 
 <file path=customXml/itemProps1.xml><?xml version="1.0" encoding="utf-8"?>
+<ds:datastoreItem xmlns:ds="http://schemas.openxmlformats.org/officeDocument/2006/customXml" ds:itemID="{CABF691C-888B-4061-8A6F-D5CE84A0254B}">
+  <ds:schemaRefs>
+    <ds:schemaRef ds:uri="http://schemas.microsoft.com/sharepoint/v3/contenttype/forms"/>
+  </ds:schemaRefs>
+</ds:datastoreItem>
+</file>
+
+<file path=customXml/itemProps2.xml><?xml version="1.0" encoding="utf-8"?>
 <ds:datastoreItem xmlns:ds="http://schemas.openxmlformats.org/officeDocument/2006/customXml" ds:itemID="{49168DCE-134F-4610-A6AA-88CEBE8D71D2}">
   <ds:schemaRefs>
     <ds:schemaRef ds:uri="http://schemas.microsoft.com/office/2006/metadata/properties"/>
@@ -13273,14 +13361,6 @@
     <ds:schemaRef ds:uri="http://schemas.microsoft.com/sharepoint/v3"/>
     <ds:schemaRef ds:uri="71af3243-3dd4-4a8d-8c0d-dd76da1f02a5"/>
     <ds:schemaRef ds:uri="230e9df3-be65-4c73-a93b-d1236ebd677e"/>
-  </ds:schemaRefs>
-</ds:datastoreItem>
-</file>
-
-<file path=customXml/itemProps2.xml><?xml version="1.0" encoding="utf-8"?>
-<ds:datastoreItem xmlns:ds="http://schemas.openxmlformats.org/officeDocument/2006/customXml" ds:itemID="{CABF691C-888B-4061-8A6F-D5CE84A0254B}">
-  <ds:schemaRefs>
-    <ds:schemaRef ds:uri="http://schemas.microsoft.com/sharepoint/v3/contenttype/forms"/>
   </ds:schemaRefs>
 </ds:datastoreItem>
 </file>
